--- a/Assignment 1, CS683 (NLP),.pptx
+++ b/Assignment 1, CS683 (NLP),.pptx
@@ -6769,11 +6769,24 @@
           <a:p>
             <a:r>
               <a:rPr lang="en-IN" dirty="0">
-                <a:hlinkClick r:id="rId2"/>
+                <a:solidFill>
+                  <a:schemeClr val="tx1"/>
+                </a:solidFill>
+                <a:hlinkClick r:id="rId2">
+                  <a:extLst>
+                    <a:ext uri="{A12FA001-AC4F-418D-AE19-62706E023703}">
+                      <ahyp:hlinkClr xmlns:ahyp="http://schemas.microsoft.com/office/drawing/2018/hyperlinkcolor" val="tx"/>
+                    </a:ext>
+                  </a:extLst>
+                </a:hlinkClick>
               </a:rPr>
               <a:t>https://colab.research.google.com/drive/1UTy6PCnr3ytPRpq7dPI-OIRQsYRch_47?usp=sharing</a:t>
             </a:r>
-            <a:endParaRPr lang="en-IN" dirty="0"/>
+            <a:endParaRPr lang="en-IN" dirty="0">
+              <a:solidFill>
+                <a:schemeClr val="tx1"/>
+              </a:solidFill>
+            </a:endParaRPr>
           </a:p>
           <a:p>
             <a:r>
